--- a/kokemus.pptx
+++ b/kokemus.pptx
@@ -6,7 +6,6 @@
   </p:sldMasterIdLst>
   <p:sldIdLst>
     <p:sldId id="256" r:id="rId2"/>
-    <p:sldId id="257" r:id="rId3"/>
   </p:sldIdLst>
   <p:sldSz cx="12192000" cy="6858000"/>
   <p:notesSz cx="6858000" cy="9144000"/>
@@ -3371,8 +3370,8 @@
         </p:nvSpPr>
         <p:spPr>
           <a:xfrm>
-            <a:off x="2538695" y="1949340"/>
-            <a:ext cx="1657825" cy="646331"/>
+            <a:off x="2637315" y="1949340"/>
+            <a:ext cx="1460593" cy="646331"/>
           </a:xfrm>
           <a:prstGeom prst="rect">
             <a:avLst/>
@@ -3388,15 +3387,123 @@
             <a:pPr algn="ctr"/>
             <a:r>
               <a:rPr lang="fi-FI" dirty="0" smtClean="0"/>
-              <a:t>Liikesuuntaa</a:t>
+              <a:t>Mallintaa</a:t>
             </a:r>
           </a:p>
           <a:p>
             <a:pPr algn="ctr"/>
             <a:r>
               <a:rPr lang="fi-FI" dirty="0" smtClean="0"/>
-              <a:t> ajassa ja tilassa</a:t>
-            </a:r>
+              <a:t>ulottuvuuden</a:t>
+            </a:r>
+          </a:p>
+        </p:txBody>
+      </p:sp>
+      <p:sp>
+        <p:nvSpPr>
+          <p:cNvPr id="20" name="Tekstiruutu 19"/>
+          <p:cNvSpPr txBox="1"/>
+          <p:nvPr/>
+        </p:nvSpPr>
+        <p:spPr>
+          <a:xfrm>
+            <a:off x="7519969" y="4505779"/>
+            <a:ext cx="1205073" cy="646331"/>
+          </a:xfrm>
+          <a:prstGeom prst="rect">
+            <a:avLst/>
+          </a:prstGeom>
+          <a:noFill/>
+        </p:spPr>
+        <p:txBody>
+          <a:bodyPr wrap="none" rtlCol="0">
+            <a:spAutoFit/>
+          </a:bodyPr>
+          <a:lstStyle/>
+          <a:p>
+            <a:r>
+              <a:rPr lang="fi-FI" dirty="0" smtClean="0"/>
+              <a:t>Motivaatio</a:t>
+            </a:r>
+          </a:p>
+          <a:p>
+            <a:r>
+              <a:rPr lang="fi-FI" dirty="0" smtClean="0"/>
+              <a:t>Halu</a:t>
+            </a:r>
+            <a:endParaRPr lang="fi-FI" dirty="0"/>
+          </a:p>
+        </p:txBody>
+      </p:sp>
+      <p:sp>
+        <p:nvSpPr>
+          <p:cNvPr id="21" name="Tekstiruutu 20"/>
+          <p:cNvSpPr txBox="1"/>
+          <p:nvPr/>
+        </p:nvSpPr>
+        <p:spPr>
+          <a:xfrm>
+            <a:off x="3396114" y="4248581"/>
+            <a:ext cx="852285" cy="646331"/>
+          </a:xfrm>
+          <a:prstGeom prst="rect">
+            <a:avLst/>
+          </a:prstGeom>
+          <a:noFill/>
+        </p:spPr>
+        <p:txBody>
+          <a:bodyPr wrap="none" rtlCol="0">
+            <a:spAutoFit/>
+          </a:bodyPr>
+          <a:lstStyle/>
+          <a:p>
+            <a:r>
+              <a:rPr lang="fi-FI" dirty="0" smtClean="0"/>
+              <a:t>Tavoite</a:t>
+            </a:r>
+          </a:p>
+          <a:p>
+            <a:r>
+              <a:rPr lang="fi-FI" dirty="0" smtClean="0"/>
+              <a:t>Ihanne</a:t>
+            </a:r>
+            <a:endParaRPr lang="fi-FI" dirty="0"/>
+          </a:p>
+        </p:txBody>
+      </p:sp>
+      <p:sp>
+        <p:nvSpPr>
+          <p:cNvPr id="22" name="Tekstiruutu 21"/>
+          <p:cNvSpPr txBox="1"/>
+          <p:nvPr/>
+        </p:nvSpPr>
+        <p:spPr>
+          <a:xfrm>
+            <a:off x="5683159" y="814606"/>
+            <a:ext cx="1169679" cy="646331"/>
+          </a:xfrm>
+          <a:prstGeom prst="rect">
+            <a:avLst/>
+          </a:prstGeom>
+          <a:noFill/>
+        </p:spPr>
+        <p:txBody>
+          <a:bodyPr wrap="none" rtlCol="0">
+            <a:spAutoFit/>
+          </a:bodyPr>
+          <a:lstStyle/>
+          <a:p>
+            <a:r>
+              <a:rPr lang="fi-FI" dirty="0" smtClean="0"/>
+              <a:t>Riski</a:t>
+            </a:r>
+          </a:p>
+          <a:p>
+            <a:r>
+              <a:rPr lang="fi-FI" dirty="0" smtClean="0"/>
+              <a:t>Voimavara</a:t>
+            </a:r>
+            <a:endParaRPr lang="fi-FI" dirty="0"/>
           </a:p>
         </p:txBody>
       </p:sp>
@@ -3404,60 +3511,6 @@
     <p:extLst>
       <p:ext uri="{BB962C8B-B14F-4D97-AF65-F5344CB8AC3E}">
         <p14:creationId xmlns:p14="http://schemas.microsoft.com/office/powerpoint/2010/main" val="2238872483"/>
-      </p:ext>
-    </p:extLst>
-  </p:cSld>
-  <p:clrMapOvr>
-    <a:masterClrMapping/>
-  </p:clrMapOvr>
-</p:sld>
-</file>
-
-<file path=ppt/slides/slide2.xml><?xml version="1.0" encoding="utf-8"?>
-<p:sld xmlns:a="http://schemas.openxmlformats.org/drawingml/2006/main" xmlns:r="http://schemas.openxmlformats.org/officeDocument/2006/relationships" xmlns:p="http://schemas.openxmlformats.org/presentationml/2006/main">
-  <p:cSld>
-    <p:spTree>
-      <p:nvGrpSpPr>
-        <p:cNvPr id="1" name=""/>
-        <p:cNvGrpSpPr/>
-        <p:nvPr/>
-      </p:nvGrpSpPr>
-      <p:grpSpPr>
-        <a:xfrm>
-          <a:off x="0" y="0"/>
-          <a:ext cx="0" cy="0"/>
-          <a:chOff x="0" y="0"/>
-          <a:chExt cx="0" cy="0"/>
-        </a:xfrm>
-      </p:grpSpPr>
-      <p:pic>
-        <p:nvPicPr>
-          <p:cNvPr id="4" name="Kuva 3"/>
-          <p:cNvPicPr>
-            <a:picLocks noChangeAspect="1"/>
-          </p:cNvPicPr>
-          <p:nvPr/>
-        </p:nvPicPr>
-        <p:blipFill>
-          <a:blip r:embed="rId2"/>
-          <a:stretch>
-            <a:fillRect/>
-          </a:stretch>
-        </p:blipFill>
-        <p:spPr>
-          <a:xfrm>
-            <a:off x="436034" y="368520"/>
-            <a:ext cx="4736251" cy="2250000"/>
-          </a:xfrm>
-          <a:prstGeom prst="rect">
-            <a:avLst/>
-          </a:prstGeom>
-        </p:spPr>
-      </p:pic>
-    </p:spTree>
-    <p:extLst>
-      <p:ext uri="{BB962C8B-B14F-4D97-AF65-F5344CB8AC3E}">
-        <p14:creationId xmlns:p14="http://schemas.microsoft.com/office/powerpoint/2010/main" val="1627428991"/>
       </p:ext>
     </p:extLst>
   </p:cSld>
